--- a/rhbase.pptx
+++ b/rhbase.pptx
@@ -5,7 +5,7 @@
     <p:sldMasterId id="2147483660" r:id="rId1"/>
   </p:sldMasterIdLst>
   <p:notesMasterIdLst>
-    <p:notesMasterId r:id="rId11"/>
+    <p:notesMasterId r:id="rId12"/>
   </p:notesMasterIdLst>
   <p:sldIdLst>
     <p:sldId id="256" r:id="rId2"/>
@@ -17,6 +17,7 @@
     <p:sldId id="262" r:id="rId8"/>
     <p:sldId id="263" r:id="rId9"/>
     <p:sldId id="264" r:id="rId10"/>
+    <p:sldId id="265" r:id="rId11"/>
   </p:sldIdLst>
   <p:sldSz cx="9144000" cy="6858000" type="screen4x3"/>
   <p:notesSz cx="6858000" cy="9144000"/>
@@ -311,7 +312,6 @@
               <a:rPr lang="zh-CN" altLang="en-US"/>
               <a:t>第五级</a:t>
             </a:r>
-            <a:endParaRPr lang="zh-CN" altLang="en-US"/>
           </a:p>
         </p:txBody>
       </p:sp>
@@ -938,6 +938,181 @@
 </p:notes>
 </file>
 
+<file path=ppt/notesSlides/notesSlide4.xml><?xml version="1.0" encoding="utf-8"?>
+<p:notes xmlns:a="http://schemas.openxmlformats.org/drawingml/2006/main" xmlns:r="http://schemas.openxmlformats.org/officeDocument/2006/relationships" xmlns:p="http://schemas.openxmlformats.org/presentationml/2006/main">
+  <p:cSld>
+    <p:spTree>
+      <p:nvGrpSpPr>
+        <p:cNvPr id="1" name=""/>
+        <p:cNvGrpSpPr/>
+        <p:nvPr/>
+      </p:nvGrpSpPr>
+      <p:grpSpPr>
+        <a:xfrm>
+          <a:off x="0" y="0"/>
+          <a:ext cx="0" cy="0"/>
+          <a:chOff x="0" y="0"/>
+          <a:chExt cx="0" cy="0"/>
+        </a:xfrm>
+      </p:grpSpPr>
+      <p:sp>
+        <p:nvSpPr>
+          <p:cNvPr id="2" name="幻灯片图像占位符 1"/>
+          <p:cNvSpPr>
+            <a:spLocks noGrp="1" noRot="1" noChangeAspect="1"/>
+          </p:cNvSpPr>
+          <p:nvPr>
+            <p:ph type="sldImg"/>
+          </p:nvPr>
+        </p:nvSpPr>
+        <p:spPr/>
+      </p:sp>
+      <p:sp>
+        <p:nvSpPr>
+          <p:cNvPr id="3" name="备注占位符 2"/>
+          <p:cNvSpPr>
+            <a:spLocks noGrp="1"/>
+          </p:cNvSpPr>
+          <p:nvPr>
+            <p:ph type="body" idx="1"/>
+          </p:nvPr>
+        </p:nvSpPr>
+        <p:spPr/>
+        <p:txBody>
+          <a:bodyPr/>
+          <a:lstStyle/>
+          <a:p>
+            <a:r>
+              <a:rPr lang="en-US" altLang="zh-CN" dirty="0"/>
+              <a:t>http://f.dataguru.cn/thread-369851-1-198.html</a:t>
+            </a:r>
+            <a:endParaRPr lang="zh-CN" altLang="en-US" dirty="0"/>
+          </a:p>
+        </p:txBody>
+      </p:sp>
+      <p:sp>
+        <p:nvSpPr>
+          <p:cNvPr id="4" name="灯片编号占位符 3"/>
+          <p:cNvSpPr>
+            <a:spLocks noGrp="1"/>
+          </p:cNvSpPr>
+          <p:nvPr>
+            <p:ph type="sldNum" sz="quarter" idx="10"/>
+          </p:nvPr>
+        </p:nvSpPr>
+        <p:spPr/>
+        <p:txBody>
+          <a:bodyPr/>
+          <a:lstStyle/>
+          <a:p>
+            <a:fld id="{2BB5B116-6850-41F7-B8FF-7B6D79158E4E}" type="slidenum">
+              <a:rPr lang="zh-CN" altLang="en-US" smtClean="0"/>
+              <a:t>9</a:t>
+            </a:fld>
+            <a:endParaRPr lang="zh-CN" altLang="en-US"/>
+          </a:p>
+        </p:txBody>
+      </p:sp>
+    </p:spTree>
+    <p:extLst>
+      <p:ext uri="{BB962C8B-B14F-4D97-AF65-F5344CB8AC3E}">
+        <p14:creationId xmlns:p14="http://schemas.microsoft.com/office/powerpoint/2010/main" val="1857267824"/>
+      </p:ext>
+    </p:extLst>
+  </p:cSld>
+  <p:clrMapOvr>
+    <a:masterClrMapping/>
+  </p:clrMapOvr>
+</p:notes>
+</file>
+
+<file path=ppt/notesSlides/notesSlide5.xml><?xml version="1.0" encoding="utf-8"?>
+<p:notes xmlns:a="http://schemas.openxmlformats.org/drawingml/2006/main" xmlns:r="http://schemas.openxmlformats.org/officeDocument/2006/relationships" xmlns:p="http://schemas.openxmlformats.org/presentationml/2006/main">
+  <p:cSld>
+    <p:spTree>
+      <p:nvGrpSpPr>
+        <p:cNvPr id="1" name=""/>
+        <p:cNvGrpSpPr/>
+        <p:nvPr/>
+      </p:nvGrpSpPr>
+      <p:grpSpPr>
+        <a:xfrm>
+          <a:off x="0" y="0"/>
+          <a:ext cx="0" cy="0"/>
+          <a:chOff x="0" y="0"/>
+          <a:chExt cx="0" cy="0"/>
+        </a:xfrm>
+      </p:grpSpPr>
+      <p:sp>
+        <p:nvSpPr>
+          <p:cNvPr id="2" name="幻灯片图像占位符 1"/>
+          <p:cNvSpPr>
+            <a:spLocks noGrp="1" noRot="1" noChangeAspect="1"/>
+          </p:cNvSpPr>
+          <p:nvPr>
+            <p:ph type="sldImg"/>
+          </p:nvPr>
+        </p:nvSpPr>
+        <p:spPr/>
+      </p:sp>
+      <p:sp>
+        <p:nvSpPr>
+          <p:cNvPr id="3" name="备注占位符 2"/>
+          <p:cNvSpPr>
+            <a:spLocks noGrp="1"/>
+          </p:cNvSpPr>
+          <p:nvPr>
+            <p:ph type="body" idx="1"/>
+          </p:nvPr>
+        </p:nvSpPr>
+        <p:spPr/>
+        <p:txBody>
+          <a:bodyPr/>
+          <a:lstStyle/>
+          <a:p>
+            <a:r>
+              <a:rPr lang="zh-CN" altLang="en-US" dirty="0"/>
+              <a:t>线程之间是非安全的，可以共享同一进程中的局部变量</a:t>
+            </a:r>
+          </a:p>
+        </p:txBody>
+      </p:sp>
+      <p:sp>
+        <p:nvSpPr>
+          <p:cNvPr id="4" name="灯片编号占位符 3"/>
+          <p:cNvSpPr>
+            <a:spLocks noGrp="1"/>
+          </p:cNvSpPr>
+          <p:nvPr>
+            <p:ph type="sldNum" sz="quarter" idx="10"/>
+          </p:nvPr>
+        </p:nvSpPr>
+        <p:spPr/>
+        <p:txBody>
+          <a:bodyPr/>
+          <a:lstStyle/>
+          <a:p>
+            <a:fld id="{2BB5B116-6850-41F7-B8FF-7B6D79158E4E}" type="slidenum">
+              <a:rPr lang="zh-CN" altLang="en-US" smtClean="0"/>
+              <a:t>10</a:t>
+            </a:fld>
+            <a:endParaRPr lang="zh-CN" altLang="en-US"/>
+          </a:p>
+        </p:txBody>
+      </p:sp>
+    </p:spTree>
+    <p:extLst>
+      <p:ext uri="{BB962C8B-B14F-4D97-AF65-F5344CB8AC3E}">
+        <p14:creationId xmlns:p14="http://schemas.microsoft.com/office/powerpoint/2010/main" val="2542809107"/>
+      </p:ext>
+    </p:extLst>
+  </p:cSld>
+  <p:clrMapOvr>
+    <a:masterClrMapping/>
+  </p:clrMapOvr>
+</p:notes>
+</file>
+
 <file path=ppt/slideLayouts/slideLayout1.xml><?xml version="1.0" encoding="utf-8"?>
 <p:sldLayout xmlns:a="http://schemas.openxmlformats.org/drawingml/2006/main" xmlns:r="http://schemas.openxmlformats.org/officeDocument/2006/relationships" xmlns:p="http://schemas.openxmlformats.org/presentationml/2006/main" type="title" preserve="1">
   <p:cSld name="标题幻灯片">
@@ -1108,7 +1283,7 @@
           <a:p>
             <a:fld id="{530820CF-B880-4189-942D-D702A7CBA730}" type="datetimeFigureOut">
               <a:rPr lang="zh-CN" altLang="en-US" smtClean="0"/>
-              <a:t>2016/9/29</a:t>
+              <a:t>2016/9/30</a:t>
             </a:fld>
             <a:endParaRPr lang="zh-CN" altLang="en-US"/>
           </a:p>
@@ -1375,7 +1550,7 @@
           <a:p>
             <a:fld id="{530820CF-B880-4189-942D-D702A7CBA730}" type="datetimeFigureOut">
               <a:rPr lang="zh-CN" altLang="en-US" smtClean="0"/>
-              <a:t>2016/9/29</a:t>
+              <a:t>2016/9/30</a:t>
             </a:fld>
             <a:endParaRPr lang="zh-CN" altLang="en-US"/>
           </a:p>
@@ -1606,7 +1781,7 @@
           <a:p>
             <a:fld id="{530820CF-B880-4189-942D-D702A7CBA730}" type="datetimeFigureOut">
               <a:rPr lang="zh-CN" altLang="en-US" smtClean="0"/>
-              <a:t>2016/9/29</a:t>
+              <a:t>2016/9/30</a:t>
             </a:fld>
             <a:endParaRPr lang="zh-CN" altLang="en-US"/>
           </a:p>
@@ -1916,7 +2091,7 @@
           <a:p>
             <a:fld id="{530820CF-B880-4189-942D-D702A7CBA730}" type="datetimeFigureOut">
               <a:rPr lang="zh-CN" altLang="en-US" smtClean="0"/>
-              <a:t>2016/9/29</a:t>
+              <a:t>2016/9/30</a:t>
             </a:fld>
             <a:endParaRPr lang="zh-CN" altLang="en-US"/>
           </a:p>
@@ -2389,7 +2564,7 @@
           <a:p>
             <a:fld id="{530820CF-B880-4189-942D-D702A7CBA730}" type="datetimeFigureOut">
               <a:rPr lang="zh-CN" altLang="en-US" smtClean="0"/>
-              <a:t>2016/9/29</a:t>
+              <a:t>2016/9/30</a:t>
             </a:fld>
             <a:endParaRPr lang="zh-CN" altLang="en-US"/>
           </a:p>
@@ -2936,7 +3111,7 @@
           <a:p>
             <a:fld id="{530820CF-B880-4189-942D-D702A7CBA730}" type="datetimeFigureOut">
               <a:rPr lang="zh-CN" altLang="en-US" smtClean="0"/>
-              <a:t>2016/9/29</a:t>
+              <a:t>2016/9/30</a:t>
             </a:fld>
             <a:endParaRPr lang="zh-CN" altLang="en-US"/>
           </a:p>
@@ -3710,7 +3885,7 @@
           <a:p>
             <a:fld id="{530820CF-B880-4189-942D-D702A7CBA730}" type="datetimeFigureOut">
               <a:rPr lang="zh-CN" altLang="en-US" smtClean="0"/>
-              <a:t>2016/9/29</a:t>
+              <a:t>2016/9/30</a:t>
             </a:fld>
             <a:endParaRPr lang="zh-CN" altLang="en-US"/>
           </a:p>
@@ -3885,7 +4060,7 @@
           <a:p>
             <a:fld id="{530820CF-B880-4189-942D-D702A7CBA730}" type="datetimeFigureOut">
               <a:rPr lang="zh-CN" altLang="en-US" smtClean="0"/>
-              <a:t>2016/9/29</a:t>
+              <a:t>2016/9/30</a:t>
             </a:fld>
             <a:endParaRPr lang="zh-CN" altLang="en-US"/>
           </a:p>
@@ -4108,7 +4283,7 @@
           <a:p>
             <a:fld id="{530820CF-B880-4189-942D-D702A7CBA730}" type="datetimeFigureOut">
               <a:rPr lang="zh-CN" altLang="en-US" smtClean="0"/>
-              <a:t>2016/9/29</a:t>
+              <a:t>2016/9/30</a:t>
             </a:fld>
             <a:endParaRPr lang="zh-CN" altLang="en-US"/>
           </a:p>
@@ -4288,7 +4463,7 @@
           <a:p>
             <a:fld id="{530820CF-B880-4189-942D-D702A7CBA730}" type="datetimeFigureOut">
               <a:rPr lang="zh-CN" altLang="en-US" smtClean="0"/>
-              <a:t>2016/9/29</a:t>
+              <a:t>2016/9/30</a:t>
             </a:fld>
             <a:endParaRPr lang="zh-CN" altLang="en-US"/>
           </a:p>
@@ -4577,7 +4752,7 @@
           <a:p>
             <a:fld id="{530820CF-B880-4189-942D-D702A7CBA730}" type="datetimeFigureOut">
               <a:rPr lang="zh-CN" altLang="en-US" smtClean="0"/>
-              <a:t>2016/9/29</a:t>
+              <a:t>2016/9/30</a:t>
             </a:fld>
             <a:endParaRPr lang="zh-CN" altLang="en-US"/>
           </a:p>
@@ -4819,7 +4994,7 @@
           <a:p>
             <a:fld id="{530820CF-B880-4189-942D-D702A7CBA730}" type="datetimeFigureOut">
               <a:rPr lang="zh-CN" altLang="en-US" smtClean="0"/>
-              <a:t>2016/9/29</a:t>
+              <a:t>2016/9/30</a:t>
             </a:fld>
             <a:endParaRPr lang="zh-CN" altLang="en-US"/>
           </a:p>
@@ -5198,7 +5373,7 @@
           <a:p>
             <a:fld id="{530820CF-B880-4189-942D-D702A7CBA730}" type="datetimeFigureOut">
               <a:rPr lang="zh-CN" altLang="en-US" smtClean="0"/>
-              <a:t>2016/9/29</a:t>
+              <a:t>2016/9/30</a:t>
             </a:fld>
             <a:endParaRPr lang="zh-CN" altLang="en-US"/>
           </a:p>
@@ -5316,7 +5491,7 @@
           <a:p>
             <a:fld id="{530820CF-B880-4189-942D-D702A7CBA730}" type="datetimeFigureOut">
               <a:rPr lang="zh-CN" altLang="en-US" smtClean="0"/>
-              <a:t>2016/9/29</a:t>
+              <a:t>2016/9/30</a:t>
             </a:fld>
             <a:endParaRPr lang="zh-CN" altLang="en-US"/>
           </a:p>
@@ -5411,7 +5586,7 @@
           <a:p>
             <a:fld id="{530820CF-B880-4189-942D-D702A7CBA730}" type="datetimeFigureOut">
               <a:rPr lang="zh-CN" altLang="en-US" smtClean="0"/>
-              <a:t>2016/9/29</a:t>
+              <a:t>2016/9/30</a:t>
             </a:fld>
             <a:endParaRPr lang="zh-CN" altLang="en-US"/>
           </a:p>
@@ -5660,7 +5835,7 @@
           <a:p>
             <a:fld id="{530820CF-B880-4189-942D-D702A7CBA730}" type="datetimeFigureOut">
               <a:rPr lang="zh-CN" altLang="en-US" smtClean="0"/>
-              <a:t>2016/9/29</a:t>
+              <a:t>2016/9/30</a:t>
             </a:fld>
             <a:endParaRPr lang="zh-CN" altLang="en-US"/>
           </a:p>
@@ -5917,7 +6092,7 @@
           <a:p>
             <a:fld id="{530820CF-B880-4189-942D-D702A7CBA730}" type="datetimeFigureOut">
               <a:rPr lang="zh-CN" altLang="en-US" smtClean="0"/>
-              <a:t>2016/9/29</a:t>
+              <a:t>2016/9/30</a:t>
             </a:fld>
             <a:endParaRPr lang="zh-CN" altLang="en-US"/>
           </a:p>
@@ -6160,7 +6335,7 @@
           <a:p>
             <a:fld id="{530820CF-B880-4189-942D-D702A7CBA730}" type="datetimeFigureOut">
               <a:rPr lang="zh-CN" altLang="en-US" smtClean="0"/>
-              <a:t>2016/9/29</a:t>
+              <a:t>2016/9/30</a:t>
             </a:fld>
             <a:endParaRPr lang="zh-CN" altLang="en-US"/>
           </a:p>
@@ -6615,6 +6790,121 @@
 </p:sld>
 </file>
 
+<file path=ppt/slides/slide10.xml><?xml version="1.0" encoding="utf-8"?>
+<p:sld xmlns:a="http://schemas.openxmlformats.org/drawingml/2006/main" xmlns:r="http://schemas.openxmlformats.org/officeDocument/2006/relationships" xmlns:p="http://schemas.openxmlformats.org/presentationml/2006/main">
+  <p:cSld>
+    <p:spTree>
+      <p:nvGrpSpPr>
+        <p:cNvPr id="1" name=""/>
+        <p:cNvGrpSpPr/>
+        <p:nvPr/>
+      </p:nvGrpSpPr>
+      <p:grpSpPr>
+        <a:xfrm>
+          <a:off x="0" y="0"/>
+          <a:ext cx="0" cy="0"/>
+          <a:chOff x="0" y="0"/>
+          <a:chExt cx="0" cy="0"/>
+        </a:xfrm>
+      </p:grpSpPr>
+      <p:sp>
+        <p:nvSpPr>
+          <p:cNvPr id="2" name="标题 1"/>
+          <p:cNvSpPr>
+            <a:spLocks noGrp="1"/>
+          </p:cNvSpPr>
+          <p:nvPr>
+            <p:ph type="ctrTitle"/>
+          </p:nvPr>
+        </p:nvSpPr>
+        <p:spPr/>
+        <p:txBody>
+          <a:bodyPr/>
+          <a:lstStyle/>
+          <a:p>
+            <a:r>
+              <a:rPr lang="en-US" altLang="zh-CN" dirty="0"/>
+              <a:t>thrift</a:t>
+            </a:r>
+            <a:r>
+              <a:rPr lang="zh-CN" altLang="en-US" dirty="0"/>
+              <a:t>接口调用</a:t>
+            </a:r>
+          </a:p>
+        </p:txBody>
+      </p:sp>
+      <p:sp>
+        <p:nvSpPr>
+          <p:cNvPr id="3" name="副标题 2"/>
+          <p:cNvSpPr>
+            <a:spLocks noGrp="1"/>
+          </p:cNvSpPr>
+          <p:nvPr>
+            <p:ph type="subTitle" idx="1"/>
+          </p:nvPr>
+        </p:nvSpPr>
+        <p:spPr/>
+        <p:txBody>
+          <a:bodyPr/>
+          <a:lstStyle/>
+          <a:p>
+            <a:r>
+              <a:rPr lang="zh-CN" altLang="en-US" dirty="0"/>
+              <a:t>进程与线程的说明</a:t>
+            </a:r>
+          </a:p>
+        </p:txBody>
+      </p:sp>
+      <p:sp>
+        <p:nvSpPr>
+          <p:cNvPr id="4" name="矩形 3"/>
+          <p:cNvSpPr/>
+          <p:nvPr/>
+        </p:nvSpPr>
+        <p:spPr>
+          <a:xfrm>
+            <a:off x="1043608" y="5373216"/>
+            <a:ext cx="1664238" cy="369332"/>
+          </a:xfrm>
+          <a:prstGeom prst="rect">
+            <a:avLst/>
+          </a:prstGeom>
+        </p:spPr>
+        <p:txBody>
+          <a:bodyPr wrap="none">
+            <a:spAutoFit/>
+          </a:bodyPr>
+          <a:lstStyle/>
+          <a:p>
+            <a:r>
+              <a:rPr lang="en-US" altLang="zh-CN" dirty="0" err="1"/>
+              <a:t>netstat</a:t>
+            </a:r>
+            <a:r>
+              <a:rPr lang="en-US" altLang="zh-CN" dirty="0"/>
+              <a:t> -</a:t>
+            </a:r>
+            <a:r>
+              <a:rPr lang="en-US" altLang="zh-CN" dirty="0" err="1"/>
+              <a:t>tunlp</a:t>
+            </a:r>
+            <a:endParaRPr lang="zh-CN" altLang="en-US" dirty="0"/>
+          </a:p>
+        </p:txBody>
+      </p:sp>
+    </p:spTree>
+    <p:extLst>
+      <p:ext uri="{BB962C8B-B14F-4D97-AF65-F5344CB8AC3E}">
+        <p14:creationId xmlns:p14="http://schemas.microsoft.com/office/powerpoint/2010/main" val="2151713353"/>
+      </p:ext>
+    </p:extLst>
+  </p:cSld>
+  <p:clrMapOvr>
+    <a:masterClrMapping/>
+  </p:clrMapOvr>
+</p:sld>
+</file>
+
 <file path=ppt/slides/slide2.xml><?xml version="1.0" encoding="utf-8"?>
 <p:sld xmlns:a="http://schemas.openxmlformats.org/drawingml/2006/main" xmlns:r="http://schemas.openxmlformats.org/officeDocument/2006/relationships" xmlns:p="http://schemas.openxmlformats.org/presentationml/2006/main">
   <p:cSld>
@@ -7895,7 +8185,31 @@
           <a:bodyPr/>
           <a:lstStyle/>
           <a:p>
-            <a:endParaRPr lang="zh-CN" altLang="en-US"/>
+            <a:r>
+              <a:rPr lang="zh-CN" altLang="en-US" dirty="0"/>
+              <a:t>结构</a:t>
+            </a:r>
+            <a:endParaRPr lang="en-US" altLang="zh-CN" dirty="0"/>
+          </a:p>
+          <a:p>
+            <a:r>
+              <a:rPr lang="zh-CN" altLang="en-US" dirty="0"/>
+              <a:t>异常</a:t>
+            </a:r>
+            <a:endParaRPr lang="en-US" altLang="zh-CN" dirty="0"/>
+          </a:p>
+          <a:p>
+            <a:r>
+              <a:rPr lang="zh-CN" altLang="en-US" dirty="0"/>
+              <a:t>服务</a:t>
+            </a:r>
+            <a:endParaRPr lang="en-US" altLang="zh-CN" dirty="0"/>
+          </a:p>
+          <a:p>
+            <a:r>
+              <a:rPr lang="zh-CN" altLang="en-US" dirty="0"/>
+              <a:t>其他</a:t>
+            </a:r>
           </a:p>
         </p:txBody>
       </p:sp>
@@ -7937,7 +8251,79 @@
           <a:bodyPr/>
           <a:lstStyle/>
           <a:p>
-            <a:endParaRPr lang="zh-CN" altLang="en-US"/>
+            <a:r>
+              <a:rPr lang="zh-CN" altLang="en-US" dirty="0"/>
+              <a:t>对</a:t>
+            </a:r>
+            <a:r>
+              <a:rPr lang="en-US" altLang="zh-CN" dirty="0"/>
+              <a:t>thrift1</a:t>
+            </a:r>
+            <a:r>
+              <a:rPr lang="zh-CN" altLang="en-US" dirty="0"/>
+              <a:t>重新简化以及归并了</a:t>
+            </a:r>
+          </a:p>
+        </p:txBody>
+      </p:sp>
+      <p:sp>
+        <p:nvSpPr>
+          <p:cNvPr id="7" name="矩形 6"/>
+          <p:cNvSpPr/>
+          <p:nvPr/>
+        </p:nvSpPr>
+        <p:spPr>
+          <a:xfrm>
+            <a:off x="594359" y="1357733"/>
+            <a:ext cx="2424062" cy="369332"/>
+          </a:xfrm>
+          <a:prstGeom prst="rect">
+            <a:avLst/>
+          </a:prstGeom>
+        </p:spPr>
+        <p:txBody>
+          <a:bodyPr wrap="none">
+            <a:spAutoFit/>
+          </a:bodyPr>
+          <a:lstStyle/>
+          <a:p>
+            <a:r>
+              <a:rPr lang="en-US" altLang="zh-CN" dirty="0" err="1">
+                <a:solidFill>
+                  <a:srgbClr val="333333"/>
+                </a:solidFill>
+                <a:latin typeface="Arial" panose="020B0604020202020204" pitchFamily="34" charset="0"/>
+              </a:rPr>
+              <a:t>netstat</a:t>
+            </a:r>
+            <a:r>
+              <a:rPr lang="en-US" altLang="zh-CN" dirty="0">
+                <a:solidFill>
+                  <a:srgbClr val="333333"/>
+                </a:solidFill>
+                <a:latin typeface="Arial" panose="020B0604020202020204" pitchFamily="34" charset="0"/>
+              </a:rPr>
+              <a:t> -</a:t>
+            </a:r>
+            <a:r>
+              <a:rPr lang="en-US" altLang="zh-CN" dirty="0" err="1">
+                <a:solidFill>
+                  <a:srgbClr val="333333"/>
+                </a:solidFill>
+                <a:latin typeface="Arial" panose="020B0604020202020204" pitchFamily="34" charset="0"/>
+              </a:rPr>
+              <a:t>nl</a:t>
+            </a:r>
+            <a:r>
+              <a:rPr lang="en-US" altLang="zh-CN" dirty="0">
+                <a:solidFill>
+                  <a:srgbClr val="333333"/>
+                </a:solidFill>
+                <a:latin typeface="Arial" panose="020B0604020202020204" pitchFamily="34" charset="0"/>
+              </a:rPr>
+              <a:t> | grep 9090</a:t>
+            </a:r>
+            <a:endParaRPr lang="zh-CN" altLang="en-US" dirty="0"/>
           </a:p>
         </p:txBody>
       </p:sp>
